--- a/LifeHacks_dbatools_MVP/LifeHacks_dbatools.pptx
+++ b/LifeHacks_dbatools_MVP/LifeHacks_dbatools.pptx
@@ -8,9 +8,9 @@
     <p:notesMasterId r:id="rId11"/>
   </p:notesMasterIdLst>
   <p:sldIdLst>
-    <p:sldId id="256" r:id="rId2"/>
-    <p:sldId id="265" r:id="rId3"/>
-    <p:sldId id="258" r:id="rId4"/>
+    <p:sldId id="258" r:id="rId2"/>
+    <p:sldId id="256" r:id="rId3"/>
+    <p:sldId id="265" r:id="rId4"/>
     <p:sldId id="305" r:id="rId5"/>
     <p:sldId id="302" r:id="rId6"/>
     <p:sldId id="301" r:id="rId7"/>
@@ -205,7 +205,7 @@
           <a:p>
             <a:fld id="{1F8C9BAC-5605-4961-A752-FD19D2B395B1}" type="datetimeFigureOut">
               <a:rPr lang="en-US" smtClean="0"/>
-              <a:t>3/22/2020</a:t>
+              <a:t>3/24/2020</a:t>
             </a:fld>
             <a:endParaRPr lang="en-US"/>
           </a:p>
@@ -516,30 +516,6 @@
           <a:bodyPr/>
           <a:lstStyle/>
           <a:p>
-            <a:r>
-              <a:rPr lang="en-US" dirty="0"/>
-              <a:t>Backups are useless if they can’t be restored</a:t>
-            </a:r>
-          </a:p>
-          <a:p>
-            <a:r>
-              <a:rPr lang="en-US" dirty="0">
-                <a:hlinkClick r:id="rId3"/>
-              </a:rPr>
-              <a:t>https://dbatools.io/dedicated-server/</a:t>
-            </a:r>
-            <a:endParaRPr lang="en-US" dirty="0"/>
-          </a:p>
-          <a:p>
-            <a:endParaRPr lang="en-US" dirty="0"/>
-          </a:p>
-          <a:p>
-            <a:r>
-              <a:rPr lang="en-US" dirty="0"/>
-              <a:t>3 life hacks</a:t>
-            </a:r>
-          </a:p>
-          <a:p>
             <a:endParaRPr lang="en-US" dirty="0"/>
           </a:p>
         </p:txBody>
@@ -561,7 +537,7 @@
           <a:p>
             <a:fld id="{0888DEC1-F2AB-4DD2-8E1F-AE80EFAA4036}" type="slidenum">
               <a:rPr lang="en-US" smtClean="0"/>
-              <a:t>2</a:t>
+              <a:t>1</a:t>
             </a:fld>
             <a:endParaRPr lang="en-US"/>
           </a:p>
@@ -570,7 +546,7 @@
     </p:spTree>
     <p:extLst>
       <p:ext uri="{BB962C8B-B14F-4D97-AF65-F5344CB8AC3E}">
-        <p14:creationId xmlns:p14="http://schemas.microsoft.com/office/powerpoint/2010/main" val="395010609"/>
+        <p14:creationId xmlns:p14="http://schemas.microsoft.com/office/powerpoint/2010/main" val="640630719"/>
       </p:ext>
     </p:extLst>
   </p:cSld>
@@ -626,224 +602,29 @@
           <a:p>
             <a:r>
               <a:rPr lang="en-US" dirty="0"/>
-              <a:t>PowerShell Module – Command line SSMS</a:t>
-            </a:r>
-          </a:p>
-          <a:p>
-            <a:r>
-              <a:rPr lang="en-US" dirty="0"/>
-              <a:t> - makes it easier to manage multiples… multiple servers, databases, jobs, logins, etc.</a:t>
-            </a:r>
-          </a:p>
-          <a:p>
-            <a:endParaRPr lang="en-US" dirty="0"/>
-          </a:p>
-          <a:p>
-            <a:r>
-              <a:rPr lang="en-US" sz="1200" b="0" i="0" kern="1200" dirty="0">
-                <a:solidFill>
-                  <a:schemeClr val="tx1"/>
-                </a:solidFill>
-                <a:effectLst/>
-                <a:latin typeface="+mn-lt"/>
-                <a:ea typeface="+mn-ea"/>
-                <a:cs typeface="+mn-cs"/>
-              </a:rPr>
-              <a:t>Support all the ways to login to SQL Server that SSMS does (including Multi Factor Authentication)</a:t>
-            </a:r>
-          </a:p>
-          <a:p>
-            <a:r>
-              <a:rPr lang="en-US" sz="1200" b="0" i="0" kern="1200" dirty="0">
-                <a:solidFill>
-                  <a:schemeClr val="tx1"/>
-                </a:solidFill>
-                <a:effectLst/>
-                <a:latin typeface="+mn-lt"/>
-                <a:ea typeface="+mn-ea"/>
-                <a:cs typeface="+mn-cs"/>
-              </a:rPr>
-              <a:t>Support SQL Server 2000 and PowerShell 3 wherever possible – goal is still to make migrations easy</a:t>
-            </a:r>
-          </a:p>
-          <a:p>
-            <a:r>
-              <a:rPr lang="en-US" sz="1200" b="0" i="0" kern="1200" dirty="0">
-                <a:solidFill>
-                  <a:schemeClr val="tx1"/>
-                </a:solidFill>
-                <a:effectLst/>
-                <a:latin typeface="+mn-lt"/>
-                <a:ea typeface="+mn-ea"/>
-                <a:cs typeface="+mn-cs"/>
-              </a:rPr>
-              <a:t>Support for Azure (can migrate to Azure Managed Instances)</a:t>
-            </a:r>
-          </a:p>
-          <a:p>
-            <a:r>
-              <a:rPr lang="en-US" sz="1200" b="0" i="0" kern="1200" dirty="0">
-                <a:solidFill>
-                  <a:schemeClr val="tx1"/>
-                </a:solidFill>
-                <a:effectLst/>
-                <a:latin typeface="+mn-lt"/>
-                <a:ea typeface="+mn-ea"/>
-                <a:cs typeface="+mn-cs"/>
-              </a:rPr>
-              <a:t>75% of commands run on Mac OS and Linux</a:t>
-            </a:r>
-          </a:p>
-          <a:p>
-            <a:endParaRPr lang="en-US" dirty="0"/>
-          </a:p>
-          <a:p>
-            <a:pPr marL="0" marR="0" lvl="0" indent="0" algn="l" defTabSz="914400" rtl="0" eaLnBrk="1" fontAlgn="auto" latinLnBrk="0" hangingPunct="1">
-              <a:lnSpc>
-                <a:spcPct val="100000"/>
-              </a:lnSpc>
-              <a:spcBef>
-                <a:spcPts val="0"/>
-              </a:spcBef>
-              <a:spcAft>
-                <a:spcPts val="0"/>
-              </a:spcAft>
-              <a:buClrTx/>
-              <a:buSzTx/>
-              <a:buFontTx/>
-              <a:buNone/>
-              <a:tabLst/>
-              <a:defRPr/>
-            </a:pPr>
-            <a:r>
-              <a:rPr lang="en-US" dirty="0"/>
-              <a:t>MIT license - </a:t>
-            </a:r>
+              <a:t>Backups are useless if they can’t be restored</a:t>
+            </a:r>
+          </a:p>
+          <a:p>
             <a:r>
               <a:rPr lang="en-US" dirty="0">
                 <a:hlinkClick r:id="rId3"/>
               </a:rPr>
-              <a:t>https://dbatools.io/mit/</a:t>
-            </a:r>
+              <a:t>https://dbatools.io/dedicated-server/</a:t>
+            </a:r>
+            <a:endParaRPr lang="en-US" dirty="0"/>
+          </a:p>
+          <a:p>
+            <a:endParaRPr lang="en-US" dirty="0"/>
+          </a:p>
+          <a:p>
             <a:r>
               <a:rPr lang="en-US" dirty="0"/>
-              <a:t> - only requirement is to maintain copywrite and license notices. </a:t>
-            </a:r>
-          </a:p>
-          <a:p>
-            <a:pPr marL="0" marR="0" lvl="0" indent="0" algn="l" defTabSz="914400" rtl="0" eaLnBrk="1" fontAlgn="auto" latinLnBrk="0" hangingPunct="1">
-              <a:lnSpc>
-                <a:spcPct val="100000"/>
-              </a:lnSpc>
-              <a:spcBef>
-                <a:spcPts val="0"/>
-              </a:spcBef>
-              <a:spcAft>
-                <a:spcPts val="0"/>
-              </a:spcAft>
-              <a:buClrTx/>
-              <a:buSzTx/>
-              <a:buFontTx/>
-              <a:buNone/>
-              <a:tabLst/>
-              <a:defRPr/>
-            </a:pPr>
-            <a:r>
-              <a:rPr lang="en-US" dirty="0"/>
-              <a:t>OK for private use or commercial use, modification, distribution</a:t>
+              <a:t>3 life hacks</a:t>
             </a:r>
           </a:p>
           <a:p>
             <a:endParaRPr lang="en-US" dirty="0"/>
-          </a:p>
-          <a:p>
-            <a:r>
-              <a:rPr lang="en-US" dirty="0"/>
-              <a:t>Talking to your company about </a:t>
-            </a:r>
-            <a:r>
-              <a:rPr lang="en-US" dirty="0" err="1"/>
-              <a:t>dbatools</a:t>
-            </a:r>
-            <a:r>
-              <a:rPr lang="en-US" dirty="0"/>
-              <a:t> - </a:t>
-            </a:r>
-            <a:r>
-              <a:rPr lang="en-US" dirty="0">
-                <a:hlinkClick r:id="rId4"/>
-              </a:rPr>
-              <a:t>https://dbatools.io/secure/</a:t>
-            </a:r>
-            <a:endParaRPr lang="en-US" dirty="0"/>
-          </a:p>
-          <a:p>
-            <a:pPr marL="171450" indent="-171450">
-              <a:buFont typeface="Arial" panose="020B0604020202020204" pitchFamily="34" charset="0"/>
-              <a:buChar char="•"/>
-            </a:pPr>
-            <a:r>
-              <a:rPr lang="en-US" dirty="0"/>
-              <a:t>PowerShell team works hard at “Secure by Design”</a:t>
-            </a:r>
-          </a:p>
-          <a:p>
-            <a:pPr marL="171450" indent="-171450">
-              <a:buFont typeface="Arial" panose="020B0604020202020204" pitchFamily="34" charset="0"/>
-              <a:buChar char="•"/>
-            </a:pPr>
-            <a:r>
-              <a:rPr lang="en-US" dirty="0"/>
-              <a:t>Code signed – verifies the code you receive hasn’t been modified by a third party. Chrissy &amp; Rob are the only people who can sign </a:t>
-            </a:r>
-            <a:r>
-              <a:rPr lang="en-US" dirty="0" err="1"/>
-              <a:t>dbatools</a:t>
-            </a:r>
-            <a:r>
-              <a:rPr lang="en-US" dirty="0"/>
-              <a:t> releases</a:t>
-            </a:r>
-          </a:p>
-          <a:p>
-            <a:pPr marL="628650" lvl="1" indent="-171450">
-              <a:buFont typeface="Arial" panose="020B0604020202020204" pitchFamily="34" charset="0"/>
-              <a:buChar char="•"/>
-            </a:pPr>
-            <a:r>
-              <a:rPr lang="en-US" dirty="0"/>
-              <a:t>Enterprise ready</a:t>
-            </a:r>
-          </a:p>
-          <a:p>
-            <a:pPr marL="171450" indent="-171450">
-              <a:buFont typeface="Arial" panose="020B0604020202020204" pitchFamily="34" charset="0"/>
-              <a:buChar char="•"/>
-            </a:pPr>
-            <a:r>
-              <a:rPr lang="en-US" dirty="0"/>
-              <a:t>Pester tests</a:t>
-            </a:r>
-          </a:p>
-          <a:p>
-            <a:pPr marL="171450" indent="-171450">
-              <a:buFont typeface="Arial" panose="020B0604020202020204" pitchFamily="34" charset="0"/>
-              <a:buChar char="•"/>
-            </a:pPr>
-            <a:r>
-              <a:rPr lang="en-US" dirty="0"/>
-              <a:t>Restricted merging to master branch</a:t>
-            </a:r>
-          </a:p>
-          <a:p>
-            <a:pPr marL="171450" indent="-171450">
-              <a:buFont typeface="Arial" panose="020B0604020202020204" pitchFamily="34" charset="0"/>
-              <a:buChar char="•"/>
-            </a:pPr>
-            <a:r>
-              <a:rPr lang="en-US" dirty="0"/>
-              <a:t>PowerShell gallery runs an virus scan against the module </a:t>
-            </a:r>
           </a:p>
         </p:txBody>
       </p:sp>
@@ -864,7 +645,7 @@
           <a:p>
             <a:fld id="{0888DEC1-F2AB-4DD2-8E1F-AE80EFAA4036}" type="slidenum">
               <a:rPr lang="en-US" smtClean="0"/>
-              <a:t>4</a:t>
+              <a:t>3</a:t>
             </a:fld>
             <a:endParaRPr lang="en-US"/>
           </a:p>
@@ -873,7 +654,7 @@
     </p:spTree>
     <p:extLst>
       <p:ext uri="{BB962C8B-B14F-4D97-AF65-F5344CB8AC3E}">
-        <p14:creationId xmlns:p14="http://schemas.microsoft.com/office/powerpoint/2010/main" val="125188774"/>
+        <p14:creationId xmlns:p14="http://schemas.microsoft.com/office/powerpoint/2010/main" val="395010609"/>
       </p:ext>
     </p:extLst>
   </p:cSld>
@@ -929,17 +710,19 @@
           <a:p>
             <a:r>
               <a:rPr lang="en-US" dirty="0"/>
-              <a:t>2014 – Chrissy had to do a SharePoint migration – lot of databases/logins/jobs/etc.</a:t>
+              <a:t>PowerShell Module – Command line SSMS</a:t>
+            </a:r>
+          </a:p>
+          <a:p>
+            <a:r>
+              <a:rPr lang="en-US" dirty="0"/>
+              <a:t> - makes it easier to manage multiples… multiple servers, databases, jobs, logins, etc.</a:t>
             </a:r>
           </a:p>
           <a:p>
             <a:endParaRPr lang="en-US" dirty="0"/>
           </a:p>
           <a:p>
-            <a:r>
-              <a:rPr lang="en-US" dirty="0"/>
-              <a:t>1.0 - </a:t>
-            </a:r>
             <a:r>
               <a:rPr lang="en-US" sz="1200" b="0" i="0" kern="1200" dirty="0">
                 <a:solidFill>
@@ -950,14 +733,10 @@
                 <a:ea typeface="+mn-ea"/>
                 <a:cs typeface="+mn-cs"/>
               </a:rPr>
-              <a:t>Over 160 contributors and 550 commands</a:t>
-            </a:r>
-          </a:p>
-          <a:p>
-            <a:pPr marL="171450" indent="-171450">
-              <a:buFont typeface="Arial" panose="020B0604020202020204" pitchFamily="34" charset="0"/>
-              <a:buChar char="•"/>
-            </a:pPr>
+              <a:t>Support all the ways to login to SQL Server that SSMS does (including Multi Factor Authentication)</a:t>
+            </a:r>
+          </a:p>
+          <a:p>
             <a:r>
               <a:rPr lang="en-US" sz="1200" b="0" i="0" kern="1200" dirty="0">
                 <a:solidFill>
@@ -968,14 +747,10 @@
                 <a:ea typeface="+mn-ea"/>
                 <a:cs typeface="+mn-cs"/>
               </a:rPr>
-              <a:t>Standardize naming</a:t>
-            </a:r>
-          </a:p>
-          <a:p>
-            <a:pPr marL="171450" indent="-171450">
-              <a:buFont typeface="Arial" panose="020B0604020202020204" pitchFamily="34" charset="0"/>
-              <a:buChar char="•"/>
-            </a:pPr>
+              <a:t>Support SQL Server 2000 and PowerShell 3 wherever possible – goal is still to make migrations easy</a:t>
+            </a:r>
+          </a:p>
+          <a:p>
             <a:r>
               <a:rPr lang="en-US" sz="1200" b="0" i="0" kern="1200" dirty="0">
                 <a:solidFill>
@@ -986,44 +761,8 @@
                 <a:ea typeface="+mn-ea"/>
                 <a:cs typeface="+mn-cs"/>
               </a:rPr>
-              <a:t>Standardize parameters </a:t>
-            </a:r>
-          </a:p>
-          <a:p>
-            <a:endParaRPr lang="en-US" dirty="0"/>
-          </a:p>
-          <a:p>
-            <a:r>
-              <a:rPr lang="en-US" dirty="0">
-                <a:hlinkClick r:id="rId3"/>
-              </a:rPr>
-              <a:t>https://dbatools.io/meap</a:t>
-            </a:r>
-            <a:r>
-              <a:rPr lang="en-US">
-                <a:hlinkClick r:id="rId3"/>
-              </a:rPr>
-              <a:t>/</a:t>
-            </a:r>
-            <a:r>
-              <a:rPr lang="en-US"/>
-              <a:t> (7/26 </a:t>
-            </a:r>
-            <a:r>
-              <a:rPr lang="en-US" dirty="0"/>
-              <a:t>chapters available)</a:t>
-            </a:r>
-          </a:p>
-          <a:p>
-            <a:endParaRPr lang="en-US" sz="1200" b="0" i="0" kern="1200" dirty="0">
-              <a:solidFill>
-                <a:schemeClr val="tx1"/>
-              </a:solidFill>
-              <a:effectLst/>
-              <a:latin typeface="+mn-lt"/>
-              <a:ea typeface="+mn-ea"/>
-              <a:cs typeface="+mn-cs"/>
-            </a:endParaRPr>
+              <a:t>Support for Azure (can migrate to Azure Managed Instances)</a:t>
+            </a:r>
           </a:p>
           <a:p>
             <a:r>
@@ -1036,29 +775,159 @@
                 <a:ea typeface="+mn-ea"/>
                 <a:cs typeface="+mn-cs"/>
               </a:rPr>
-              <a:t>Early days – Chrissy would troll reddit, looking for common problems, automating them and then adding them to </a:t>
-            </a:r>
-            <a:r>
-              <a:rPr lang="en-US" sz="1200" b="0" i="0" kern="1200" dirty="0" err="1">
-                <a:solidFill>
-                  <a:schemeClr val="tx1"/>
-                </a:solidFill>
-                <a:effectLst/>
-                <a:latin typeface="+mn-lt"/>
-                <a:ea typeface="+mn-ea"/>
-                <a:cs typeface="+mn-cs"/>
+              <a:t>75% of commands run on Mac OS and Linux</a:t>
+            </a:r>
+          </a:p>
+          <a:p>
+            <a:endParaRPr lang="en-US" dirty="0"/>
+          </a:p>
+          <a:p>
+            <a:pPr marL="0" marR="0" lvl="0" indent="0" algn="l" defTabSz="914400" rtl="0" eaLnBrk="1" fontAlgn="auto" latinLnBrk="0" hangingPunct="1">
+              <a:lnSpc>
+                <a:spcPct val="100000"/>
+              </a:lnSpc>
+              <a:spcBef>
+                <a:spcPts val="0"/>
+              </a:spcBef>
+              <a:spcAft>
+                <a:spcPts val="0"/>
+              </a:spcAft>
+              <a:buClrTx/>
+              <a:buSzTx/>
+              <a:buFontTx/>
+              <a:buNone/>
+              <a:tabLst/>
+              <a:defRPr/>
+            </a:pPr>
+            <a:r>
+              <a:rPr lang="en-US" dirty="0"/>
+              <a:t>MIT license - </a:t>
+            </a:r>
+            <a:r>
+              <a:rPr lang="en-US" dirty="0">
+                <a:hlinkClick r:id="rId3"/>
               </a:rPr>
+              <a:t>https://dbatools.io/mit/</a:t>
+            </a:r>
+            <a:r>
+              <a:rPr lang="en-US" dirty="0"/>
+              <a:t> - only requirement is to maintain copywrite and license notices. </a:t>
+            </a:r>
+          </a:p>
+          <a:p>
+            <a:pPr marL="0" marR="0" lvl="0" indent="0" algn="l" defTabSz="914400" rtl="0" eaLnBrk="1" fontAlgn="auto" latinLnBrk="0" hangingPunct="1">
+              <a:lnSpc>
+                <a:spcPct val="100000"/>
+              </a:lnSpc>
+              <a:spcBef>
+                <a:spcPts val="0"/>
+              </a:spcBef>
+              <a:spcAft>
+                <a:spcPts val="0"/>
+              </a:spcAft>
+              <a:buClrTx/>
+              <a:buSzTx/>
+              <a:buFontTx/>
+              <a:buNone/>
+              <a:tabLst/>
+              <a:defRPr/>
+            </a:pPr>
+            <a:r>
+              <a:rPr lang="en-US" dirty="0"/>
+              <a:t>OK for private use or commercial use, modification, distribution</a:t>
+            </a:r>
+          </a:p>
+          <a:p>
+            <a:endParaRPr lang="en-US" dirty="0"/>
+          </a:p>
+          <a:p>
+            <a:r>
+              <a:rPr lang="en-US" dirty="0"/>
+              <a:t>Talking to your company about </a:t>
+            </a:r>
+            <a:r>
+              <a:rPr lang="en-US" dirty="0" err="1"/>
               <a:t>dbatools</a:t>
             </a:r>
-            <a:endParaRPr lang="en-US" sz="1200" b="0" i="0" kern="1200" dirty="0">
-              <a:solidFill>
-                <a:schemeClr val="tx1"/>
-              </a:solidFill>
-              <a:effectLst/>
-              <a:latin typeface="+mn-lt"/>
-              <a:ea typeface="+mn-ea"/>
-              <a:cs typeface="+mn-cs"/>
-            </a:endParaRPr>
+            <a:r>
+              <a:rPr lang="en-US" dirty="0"/>
+              <a:t> - </a:t>
+            </a:r>
+            <a:r>
+              <a:rPr lang="en-US" dirty="0">
+                <a:hlinkClick r:id="rId4"/>
+              </a:rPr>
+              <a:t>https://dbatools.io/secure/</a:t>
+            </a:r>
+            <a:endParaRPr lang="en-US" dirty="0"/>
+          </a:p>
+          <a:p>
+            <a:pPr marL="171450" indent="-171450">
+              <a:buFont typeface="Arial" panose="020B0604020202020204" pitchFamily="34" charset="0"/>
+              <a:buChar char="•"/>
+            </a:pPr>
+            <a:r>
+              <a:rPr lang="en-US" dirty="0"/>
+              <a:t>PowerShell team works hard at “Secure by Design”</a:t>
+            </a:r>
+          </a:p>
+          <a:p>
+            <a:pPr marL="171450" indent="-171450">
+              <a:buFont typeface="Arial" panose="020B0604020202020204" pitchFamily="34" charset="0"/>
+              <a:buChar char="•"/>
+            </a:pPr>
+            <a:r>
+              <a:rPr lang="en-US" dirty="0"/>
+              <a:t>Code signed – verifies the code you receive hasn’t been modified by a third party. Chrissy &amp; Rob are the only people who can sign </a:t>
+            </a:r>
+            <a:r>
+              <a:rPr lang="en-US" dirty="0" err="1"/>
+              <a:t>dbatools</a:t>
+            </a:r>
+            <a:r>
+              <a:rPr lang="en-US" dirty="0"/>
+              <a:t> releases</a:t>
+            </a:r>
+          </a:p>
+          <a:p>
+            <a:pPr marL="628650" lvl="1" indent="-171450">
+              <a:buFont typeface="Arial" panose="020B0604020202020204" pitchFamily="34" charset="0"/>
+              <a:buChar char="•"/>
+            </a:pPr>
+            <a:r>
+              <a:rPr lang="en-US" dirty="0"/>
+              <a:t>Enterprise ready</a:t>
+            </a:r>
+          </a:p>
+          <a:p>
+            <a:pPr marL="171450" indent="-171450">
+              <a:buFont typeface="Arial" panose="020B0604020202020204" pitchFamily="34" charset="0"/>
+              <a:buChar char="•"/>
+            </a:pPr>
+            <a:r>
+              <a:rPr lang="en-US" dirty="0"/>
+              <a:t>Pester tests</a:t>
+            </a:r>
+          </a:p>
+          <a:p>
+            <a:pPr marL="171450" indent="-171450">
+              <a:buFont typeface="Arial" panose="020B0604020202020204" pitchFamily="34" charset="0"/>
+              <a:buChar char="•"/>
+            </a:pPr>
+            <a:r>
+              <a:rPr lang="en-US" dirty="0"/>
+              <a:t>Restricted merging to master branch</a:t>
+            </a:r>
+          </a:p>
+          <a:p>
+            <a:pPr marL="171450" indent="-171450">
+              <a:buFont typeface="Arial" panose="020B0604020202020204" pitchFamily="34" charset="0"/>
+              <a:buChar char="•"/>
+            </a:pPr>
+            <a:r>
+              <a:rPr lang="en-US" dirty="0"/>
+              <a:t>PowerShell gallery runs an virus scan against the module </a:t>
+            </a:r>
           </a:p>
         </p:txBody>
       </p:sp>
@@ -1079,7 +948,7 @@
           <a:p>
             <a:fld id="{0888DEC1-F2AB-4DD2-8E1F-AE80EFAA4036}" type="slidenum">
               <a:rPr lang="en-US" smtClean="0"/>
-              <a:t>5</a:t>
+              <a:t>4</a:t>
             </a:fld>
             <a:endParaRPr lang="en-US"/>
           </a:p>
@@ -1088,7 +957,7 @@
     </p:spTree>
     <p:extLst>
       <p:ext uri="{BB962C8B-B14F-4D97-AF65-F5344CB8AC3E}">
-        <p14:creationId xmlns:p14="http://schemas.microsoft.com/office/powerpoint/2010/main" val="947307982"/>
+        <p14:creationId xmlns:p14="http://schemas.microsoft.com/office/powerpoint/2010/main" val="125188774"/>
       </p:ext>
     </p:extLst>
   </p:cSld>
@@ -1144,7 +1013,7 @@
           <a:p>
             <a:r>
               <a:rPr lang="en-US" dirty="0"/>
-              <a:t>Enable Exception</a:t>
+              <a:t>2014 – Chrissy had to do a SharePoint migration – lot of databases/logins/jobs/etc.</a:t>
             </a:r>
           </a:p>
           <a:p>
@@ -1153,18 +1022,8 @@
           <a:p>
             <a:r>
               <a:rPr lang="en-US" dirty="0"/>
-              <a:t>Backup-</a:t>
-            </a:r>
-            <a:r>
-              <a:rPr lang="en-US" dirty="0" err="1"/>
-              <a:t>DbaDatabase</a:t>
-            </a:r>
-            <a:r>
-              <a:rPr lang="en-US" dirty="0"/>
-              <a:t> – default is a full backup (not copy only)</a:t>
-            </a:r>
-          </a:p>
-          <a:p>
+              <a:t>1.0 - </a:t>
+            </a:r>
             <a:r>
               <a:rPr lang="en-US" sz="1200" b="0" i="0" kern="1200" dirty="0">
                 <a:solidFill>
@@ -1175,8 +1034,115 @@
                 <a:ea typeface="+mn-ea"/>
                 <a:cs typeface="+mn-cs"/>
               </a:rPr>
-              <a:t>DATA_PURITY - Causes DBCC CHECKDB to check the database for column values that are not valid or out-of-range. For databases upgraded from earlier versions of SQL Server, column-value checks are not enabled by default until DBCC CHECKDB WITH DATA_PURITY has been run error free on the database</a:t>
-            </a:r>
+              <a:t>Over 160 contributors and 550 commands</a:t>
+            </a:r>
+          </a:p>
+          <a:p>
+            <a:pPr marL="171450" indent="-171450">
+              <a:buFont typeface="Arial" panose="020B0604020202020204" pitchFamily="34" charset="0"/>
+              <a:buChar char="•"/>
+            </a:pPr>
+            <a:r>
+              <a:rPr lang="en-US" sz="1200" b="0" i="0" kern="1200" dirty="0">
+                <a:solidFill>
+                  <a:schemeClr val="tx1"/>
+                </a:solidFill>
+                <a:effectLst/>
+                <a:latin typeface="+mn-lt"/>
+                <a:ea typeface="+mn-ea"/>
+                <a:cs typeface="+mn-cs"/>
+              </a:rPr>
+              <a:t>Standardize naming</a:t>
+            </a:r>
+          </a:p>
+          <a:p>
+            <a:pPr marL="171450" indent="-171450">
+              <a:buFont typeface="Arial" panose="020B0604020202020204" pitchFamily="34" charset="0"/>
+              <a:buChar char="•"/>
+            </a:pPr>
+            <a:r>
+              <a:rPr lang="en-US" sz="1200" b="0" i="0" kern="1200" dirty="0">
+                <a:solidFill>
+                  <a:schemeClr val="tx1"/>
+                </a:solidFill>
+                <a:effectLst/>
+                <a:latin typeface="+mn-lt"/>
+                <a:ea typeface="+mn-ea"/>
+                <a:cs typeface="+mn-cs"/>
+              </a:rPr>
+              <a:t>Standardize parameters </a:t>
+            </a:r>
+          </a:p>
+          <a:p>
+            <a:endParaRPr lang="en-US" dirty="0"/>
+          </a:p>
+          <a:p>
+            <a:r>
+              <a:rPr lang="en-US" dirty="0">
+                <a:hlinkClick r:id="rId3"/>
+              </a:rPr>
+              <a:t>https://dbatools.io/meap</a:t>
+            </a:r>
+            <a:r>
+              <a:rPr lang="en-US">
+                <a:hlinkClick r:id="rId3"/>
+              </a:rPr>
+              <a:t>/</a:t>
+            </a:r>
+            <a:r>
+              <a:rPr lang="en-US"/>
+              <a:t> (7/26 </a:t>
+            </a:r>
+            <a:r>
+              <a:rPr lang="en-US" dirty="0"/>
+              <a:t>chapters available)</a:t>
+            </a:r>
+          </a:p>
+          <a:p>
+            <a:endParaRPr lang="en-US" sz="1200" b="0" i="0" kern="1200" dirty="0">
+              <a:solidFill>
+                <a:schemeClr val="tx1"/>
+              </a:solidFill>
+              <a:effectLst/>
+              <a:latin typeface="+mn-lt"/>
+              <a:ea typeface="+mn-ea"/>
+              <a:cs typeface="+mn-cs"/>
+            </a:endParaRPr>
+          </a:p>
+          <a:p>
+            <a:r>
+              <a:rPr lang="en-US" sz="1200" b="0" i="0" kern="1200" dirty="0">
+                <a:solidFill>
+                  <a:schemeClr val="tx1"/>
+                </a:solidFill>
+                <a:effectLst/>
+                <a:latin typeface="+mn-lt"/>
+                <a:ea typeface="+mn-ea"/>
+                <a:cs typeface="+mn-cs"/>
+              </a:rPr>
+              <a:t>Early days – Chrissy would troll reddit, looking for common problems, automating them and then adding them to </a:t>
+            </a:r>
+            <a:r>
+              <a:rPr lang="en-US" sz="1200" b="0" i="0" kern="1200" dirty="0" err="1">
+                <a:solidFill>
+                  <a:schemeClr val="tx1"/>
+                </a:solidFill>
+                <a:effectLst/>
+                <a:latin typeface="+mn-lt"/>
+                <a:ea typeface="+mn-ea"/>
+                <a:cs typeface="+mn-cs"/>
+              </a:rPr>
+              <a:t>dbatools</a:t>
+            </a:r>
+            <a:endParaRPr lang="en-US" sz="1200" b="0" i="0" kern="1200" dirty="0">
+              <a:solidFill>
+                <a:schemeClr val="tx1"/>
+              </a:solidFill>
+              <a:effectLst/>
+              <a:latin typeface="+mn-lt"/>
+              <a:ea typeface="+mn-ea"/>
+              <a:cs typeface="+mn-cs"/>
+            </a:endParaRPr>
           </a:p>
         </p:txBody>
       </p:sp>
@@ -1197,7 +1163,7 @@
           <a:p>
             <a:fld id="{0888DEC1-F2AB-4DD2-8E1F-AE80EFAA4036}" type="slidenum">
               <a:rPr lang="en-US" smtClean="0"/>
-              <a:t>6</a:t>
+              <a:t>5</a:t>
             </a:fld>
             <a:endParaRPr lang="en-US"/>
           </a:p>
@@ -1206,7 +1172,7 @@
     </p:spTree>
     <p:extLst>
       <p:ext uri="{BB962C8B-B14F-4D97-AF65-F5344CB8AC3E}">
-        <p14:creationId xmlns:p14="http://schemas.microsoft.com/office/powerpoint/2010/main" val="3711910762"/>
+        <p14:creationId xmlns:p14="http://schemas.microsoft.com/office/powerpoint/2010/main" val="947307982"/>
       </p:ext>
     </p:extLst>
   </p:cSld>
@@ -1315,6 +1281,98 @@
           <a:p>
             <a:fld id="{0888DEC1-F2AB-4DD2-8E1F-AE80EFAA4036}" type="slidenum">
               <a:rPr lang="en-US" smtClean="0"/>
+              <a:t>6</a:t>
+            </a:fld>
+            <a:endParaRPr lang="en-US"/>
+          </a:p>
+        </p:txBody>
+      </p:sp>
+    </p:spTree>
+    <p:extLst>
+      <p:ext uri="{BB962C8B-B14F-4D97-AF65-F5344CB8AC3E}">
+        <p14:creationId xmlns:p14="http://schemas.microsoft.com/office/powerpoint/2010/main" val="3711910762"/>
+      </p:ext>
+    </p:extLst>
+  </p:cSld>
+  <p:clrMapOvr>
+    <a:masterClrMapping/>
+  </p:clrMapOvr>
+</p:notes>
+</file>
+
+<file path=ppt/notesSlides/notesSlide6.xml><?xml version="1.0" encoding="utf-8"?>
+<p:notes xmlns:a="http://schemas.openxmlformats.org/drawingml/2006/main" xmlns:r="http://schemas.openxmlformats.org/officeDocument/2006/relationships" xmlns:p="http://schemas.openxmlformats.org/presentationml/2006/main">
+  <p:cSld>
+    <p:spTree>
+      <p:nvGrpSpPr>
+        <p:cNvPr id="1" name=""/>
+        <p:cNvGrpSpPr/>
+        <p:nvPr/>
+      </p:nvGrpSpPr>
+      <p:grpSpPr>
+        <a:xfrm>
+          <a:off x="0" y="0"/>
+          <a:ext cx="0" cy="0"/>
+          <a:chOff x="0" y="0"/>
+          <a:chExt cx="0" cy="0"/>
+        </a:xfrm>
+      </p:grpSpPr>
+      <p:sp>
+        <p:nvSpPr>
+          <p:cNvPr id="2" name="Slide Image Placeholder 1"/>
+          <p:cNvSpPr>
+            <a:spLocks noGrp="1" noRot="1" noChangeAspect="1"/>
+          </p:cNvSpPr>
+          <p:nvPr>
+            <p:ph type="sldImg"/>
+          </p:nvPr>
+        </p:nvSpPr>
+        <p:spPr/>
+      </p:sp>
+      <p:sp>
+        <p:nvSpPr>
+          <p:cNvPr id="3" name="Notes Placeholder 2"/>
+          <p:cNvSpPr>
+            <a:spLocks noGrp="1"/>
+          </p:cNvSpPr>
+          <p:nvPr>
+            <p:ph type="body" idx="1"/>
+          </p:nvPr>
+        </p:nvSpPr>
+        <p:spPr/>
+        <p:txBody>
+          <a:bodyPr/>
+          <a:lstStyle/>
+          <a:p>
+            <a:endParaRPr lang="en-US" sz="1200" b="0" i="0" kern="1200" dirty="0">
+              <a:solidFill>
+                <a:schemeClr val="tx1"/>
+              </a:solidFill>
+              <a:effectLst/>
+              <a:latin typeface="+mn-lt"/>
+              <a:ea typeface="+mn-ea"/>
+              <a:cs typeface="+mn-cs"/>
+            </a:endParaRPr>
+          </a:p>
+        </p:txBody>
+      </p:sp>
+      <p:sp>
+        <p:nvSpPr>
+          <p:cNvPr id="4" name="Slide Number Placeholder 3"/>
+          <p:cNvSpPr>
+            <a:spLocks noGrp="1"/>
+          </p:cNvSpPr>
+          <p:nvPr>
+            <p:ph type="sldNum" sz="quarter" idx="5"/>
+          </p:nvPr>
+        </p:nvSpPr>
+        <p:spPr/>
+        <p:txBody>
+          <a:bodyPr/>
+          <a:lstStyle/>
+          <a:p>
+            <a:fld id="{0888DEC1-F2AB-4DD2-8E1F-AE80EFAA4036}" type="slidenum">
+              <a:rPr lang="en-US" smtClean="0"/>
               <a:t>7</a:t>
             </a:fld>
             <a:endParaRPr lang="en-US"/>
@@ -1334,7 +1392,7 @@
 </p:notes>
 </file>
 
-<file path=ppt/notesSlides/notesSlide6.xml><?xml version="1.0" encoding="utf-8"?>
+<file path=ppt/notesSlides/notesSlide7.xml><?xml version="1.0" encoding="utf-8"?>
 <p:notes xmlns:a="http://schemas.openxmlformats.org/drawingml/2006/main" xmlns:r="http://schemas.openxmlformats.org/officeDocument/2006/relationships" xmlns:p="http://schemas.openxmlformats.org/presentationml/2006/main">
   <p:cSld>
     <p:spTree>
@@ -3114,7 +3172,7 @@
           <a:p>
             <a:fld id="{6F7AEB39-490D-4470-BB4F-F7E09AA2B520}" type="datetimeFigureOut">
               <a:rPr lang="en-US" smtClean="0"/>
-              <a:t>3/22/2020</a:t>
+              <a:t>3/24/2020</a:t>
             </a:fld>
             <a:endParaRPr lang="en-US"/>
           </a:p>
@@ -3624,7 +3682,7 @@
           <a:p>
             <a:fld id="{6F7AEB39-490D-4470-BB4F-F7E09AA2B520}" type="datetimeFigureOut">
               <a:rPr lang="en-US" smtClean="0"/>
-              <a:t>3/22/2020</a:t>
+              <a:t>3/24/2020</a:t>
             </a:fld>
             <a:endParaRPr lang="en-US"/>
           </a:p>
@@ -6460,6 +6518,228 @@
           <p:cNvPr id="2" name="Title 1">
             <a:extLst>
               <a:ext uri="{FF2B5EF4-FFF2-40B4-BE49-F238E27FC236}">
+                <a16:creationId xmlns:a16="http://schemas.microsoft.com/office/drawing/2014/main" id="{23AE9CB3-7382-4630-9D25-124626170B5C}"/>
+              </a:ext>
+            </a:extLst>
+          </p:cNvPr>
+          <p:cNvSpPr>
+            <a:spLocks noGrp="1"/>
+          </p:cNvSpPr>
+          <p:nvPr>
+            <p:ph type="title"/>
+          </p:nvPr>
+        </p:nvSpPr>
+        <p:spPr/>
+        <p:txBody>
+          <a:bodyPr/>
+          <a:lstStyle/>
+          <a:p>
+            <a:r>
+              <a:rPr lang="en-US"/>
+              <a:t>Jess Pomfret</a:t>
+            </a:r>
+            <a:br>
+              <a:rPr lang="en-US" dirty="0"/>
+            </a:br>
+            <a:r>
+              <a:rPr lang="en-US" sz="2400" dirty="0"/>
+              <a:t>(She/Her)</a:t>
+            </a:r>
+            <a:endParaRPr lang="en-US"/>
+          </a:p>
+        </p:txBody>
+      </p:sp>
+      <p:sp>
+        <p:nvSpPr>
+          <p:cNvPr id="3" name="Content Placeholder 2">
+            <a:extLst>
+              <a:ext uri="{FF2B5EF4-FFF2-40B4-BE49-F238E27FC236}">
+                <a16:creationId xmlns:a16="http://schemas.microsoft.com/office/drawing/2014/main" id="{BD9FF4B1-4677-48D0-A0AD-0221FAEEFBA3}"/>
+              </a:ext>
+            </a:extLst>
+          </p:cNvPr>
+          <p:cNvSpPr>
+            <a:spLocks noGrp="1"/>
+          </p:cNvSpPr>
+          <p:nvPr>
+            <p:ph idx="1"/>
+          </p:nvPr>
+        </p:nvSpPr>
+        <p:spPr/>
+        <p:txBody>
+          <a:bodyPr>
+            <a:normAutofit/>
+          </a:bodyPr>
+          <a:lstStyle/>
+          <a:p>
+            <a:r>
+              <a:rPr lang="en-US" dirty="0"/>
+              <a:t>Database Engineer</a:t>
+            </a:r>
+          </a:p>
+          <a:p>
+            <a:r>
+              <a:rPr lang="en-US" dirty="0"/>
+              <a:t>Open Source Contributor</a:t>
+            </a:r>
+          </a:p>
+          <a:p>
+            <a:pPr lvl="1"/>
+            <a:r>
+              <a:rPr lang="en-US" dirty="0" err="1"/>
+              <a:t>dbatools</a:t>
+            </a:r>
+            <a:r>
+              <a:rPr lang="en-US" dirty="0"/>
+              <a:t>, </a:t>
+            </a:r>
+            <a:r>
+              <a:rPr lang="en-US" dirty="0" err="1"/>
+              <a:t>dbachecks</a:t>
+            </a:r>
+            <a:r>
+              <a:rPr lang="en-US" dirty="0"/>
+              <a:t>, </a:t>
+            </a:r>
+            <a:r>
+              <a:rPr lang="en-US" dirty="0" err="1"/>
+              <a:t>SqlServerDsc</a:t>
+            </a:r>
+            <a:endParaRPr lang="en-US" dirty="0"/>
+          </a:p>
+          <a:p>
+            <a:r>
+              <a:rPr lang="en-US" dirty="0"/>
+              <a:t>Passionate about SQL Server, PowerShell &amp; Proper Football</a:t>
+            </a:r>
+          </a:p>
+          <a:p>
+            <a:endParaRPr lang="en-US" dirty="0"/>
+          </a:p>
+          <a:p>
+            <a:r>
+              <a:rPr lang="en-US" dirty="0">
+                <a:hlinkClick r:id="rId3"/>
+              </a:rPr>
+              <a:t>jpomfret7@gmail.com</a:t>
+            </a:r>
+            <a:endParaRPr lang="en-US" dirty="0"/>
+          </a:p>
+          <a:p>
+            <a:r>
+              <a:rPr lang="en-US" dirty="0"/>
+              <a:t>@jpomfret</a:t>
+            </a:r>
+          </a:p>
+        </p:txBody>
+      </p:sp>
+      <p:pic>
+        <p:nvPicPr>
+          <p:cNvPr id="5" name="Picture 4">
+            <a:extLst>
+              <a:ext uri="{FF2B5EF4-FFF2-40B4-BE49-F238E27FC236}">
+                <a16:creationId xmlns:a16="http://schemas.microsoft.com/office/drawing/2014/main" id="{534BBB60-327E-41E5-A188-F9573B75AD86}"/>
+              </a:ext>
+            </a:extLst>
+          </p:cNvPr>
+          <p:cNvPicPr>
+            <a:picLocks noChangeAspect="1"/>
+          </p:cNvPicPr>
+          <p:nvPr/>
+        </p:nvPicPr>
+        <p:blipFill>
+          <a:blip r:embed="rId4">
+            <a:extLst>
+              <a:ext uri="{28A0092B-C50C-407E-A947-70E740481C1C}">
+                <a14:useLocalDpi xmlns:a14="http://schemas.microsoft.com/office/drawing/2010/main" val="0"/>
+              </a:ext>
+            </a:extLst>
+          </a:blip>
+          <a:stretch>
+            <a:fillRect/>
+          </a:stretch>
+        </p:blipFill>
+        <p:spPr>
+          <a:xfrm>
+            <a:off x="502628" y="2175930"/>
+            <a:ext cx="4084819" cy="4084819"/>
+          </a:xfrm>
+          <a:prstGeom prst="rect">
+            <a:avLst/>
+          </a:prstGeom>
+        </p:spPr>
+      </p:pic>
+      <p:pic>
+        <p:nvPicPr>
+          <p:cNvPr id="6" name="Picture 5" descr="A close up of a sign&#10;&#10;Description automatically generated">
+            <a:extLst>
+              <a:ext uri="{FF2B5EF4-FFF2-40B4-BE49-F238E27FC236}">
+                <a16:creationId xmlns:a16="http://schemas.microsoft.com/office/drawing/2014/main" id="{29D4F0F1-B995-48E9-A0DB-52AD53B274C4}"/>
+              </a:ext>
+            </a:extLst>
+          </p:cNvPr>
+          <p:cNvPicPr>
+            <a:picLocks noChangeAspect="1"/>
+          </p:cNvPicPr>
+          <p:nvPr/>
+        </p:nvPicPr>
+        <p:blipFill>
+          <a:blip r:embed="rId5">
+            <a:extLst>
+              <a:ext uri="{28A0092B-C50C-407E-A947-70E740481C1C}">
+                <a14:useLocalDpi xmlns:a14="http://schemas.microsoft.com/office/drawing/2010/main" val="0"/>
+              </a:ext>
+            </a:extLst>
+          </a:blip>
+          <a:stretch>
+            <a:fillRect/>
+          </a:stretch>
+        </p:blipFill>
+        <p:spPr>
+          <a:xfrm>
+            <a:off x="10959546" y="4520250"/>
+            <a:ext cx="914402" cy="1447803"/>
+          </a:xfrm>
+          <a:prstGeom prst="rect">
+            <a:avLst/>
+          </a:prstGeom>
+        </p:spPr>
+      </p:pic>
+    </p:spTree>
+    <p:extLst>
+      <p:ext uri="{BB962C8B-B14F-4D97-AF65-F5344CB8AC3E}">
+        <p14:creationId xmlns:p14="http://schemas.microsoft.com/office/powerpoint/2010/main" val="3256882072"/>
+      </p:ext>
+    </p:extLst>
+  </p:cSld>
+  <p:clrMapOvr>
+    <a:masterClrMapping/>
+  </p:clrMapOvr>
+</p:sld>
+</file>
+
+<file path=ppt/slides/slide2.xml><?xml version="1.0" encoding="utf-8"?>
+<p:sld xmlns:a="http://schemas.openxmlformats.org/drawingml/2006/main" xmlns:r="http://schemas.openxmlformats.org/officeDocument/2006/relationships" xmlns:p="http://schemas.openxmlformats.org/presentationml/2006/main">
+  <p:cSld>
+    <p:spTree>
+      <p:nvGrpSpPr>
+        <p:cNvPr id="1" name=""/>
+        <p:cNvGrpSpPr/>
+        <p:nvPr/>
+      </p:nvGrpSpPr>
+      <p:grpSpPr>
+        <a:xfrm>
+          <a:off x="0" y="0"/>
+          <a:ext cx="0" cy="0"/>
+          <a:chOff x="0" y="0"/>
+          <a:chExt cx="0" cy="0"/>
+        </a:xfrm>
+      </p:grpSpPr>
+      <p:sp>
+        <p:nvSpPr>
+          <p:cNvPr id="2" name="Title 1">
+            <a:extLst>
+              <a:ext uri="{FF2B5EF4-FFF2-40B4-BE49-F238E27FC236}">
                 <a16:creationId xmlns:a16="http://schemas.microsoft.com/office/drawing/2014/main" id="{4CC6F8DE-A1B6-4914-A23E-D3683274E9F2}"/>
               </a:ext>
             </a:extLst>
@@ -6545,7 +6825,7 @@
 </p:sld>
 </file>
 
-<file path=ppt/slides/slide2.xml><?xml version="1.0" encoding="utf-8"?>
+<file path=ppt/slides/slide3.xml><?xml version="1.0" encoding="utf-8"?>
 <p:sld xmlns:a="http://schemas.openxmlformats.org/drawingml/2006/main" xmlns:r="http://schemas.openxmlformats.org/officeDocument/2006/relationships" xmlns:p="http://schemas.openxmlformats.org/presentationml/2006/main">
   <p:cSld>
     <p:spTree>
@@ -6723,228 +7003,6 @@
     <p:extLst>
       <p:ext uri="{BB962C8B-B14F-4D97-AF65-F5344CB8AC3E}">
         <p14:creationId xmlns:p14="http://schemas.microsoft.com/office/powerpoint/2010/main" val="1877511129"/>
-      </p:ext>
-    </p:extLst>
-  </p:cSld>
-  <p:clrMapOvr>
-    <a:masterClrMapping/>
-  </p:clrMapOvr>
-</p:sld>
-</file>
-
-<file path=ppt/slides/slide3.xml><?xml version="1.0" encoding="utf-8"?>
-<p:sld xmlns:a="http://schemas.openxmlformats.org/drawingml/2006/main" xmlns:r="http://schemas.openxmlformats.org/officeDocument/2006/relationships" xmlns:p="http://schemas.openxmlformats.org/presentationml/2006/main">
-  <p:cSld>
-    <p:spTree>
-      <p:nvGrpSpPr>
-        <p:cNvPr id="1" name=""/>
-        <p:cNvGrpSpPr/>
-        <p:nvPr/>
-      </p:nvGrpSpPr>
-      <p:grpSpPr>
-        <a:xfrm>
-          <a:off x="0" y="0"/>
-          <a:ext cx="0" cy="0"/>
-          <a:chOff x="0" y="0"/>
-          <a:chExt cx="0" cy="0"/>
-        </a:xfrm>
-      </p:grpSpPr>
-      <p:sp>
-        <p:nvSpPr>
-          <p:cNvPr id="2" name="Title 1">
-            <a:extLst>
-              <a:ext uri="{FF2B5EF4-FFF2-40B4-BE49-F238E27FC236}">
-                <a16:creationId xmlns:a16="http://schemas.microsoft.com/office/drawing/2014/main" id="{23AE9CB3-7382-4630-9D25-124626170B5C}"/>
-              </a:ext>
-            </a:extLst>
-          </p:cNvPr>
-          <p:cNvSpPr>
-            <a:spLocks noGrp="1"/>
-          </p:cNvSpPr>
-          <p:nvPr>
-            <p:ph type="title"/>
-          </p:nvPr>
-        </p:nvSpPr>
-        <p:spPr/>
-        <p:txBody>
-          <a:bodyPr/>
-          <a:lstStyle/>
-          <a:p>
-            <a:r>
-              <a:rPr lang="en-US"/>
-              <a:t>Jess Pomfret</a:t>
-            </a:r>
-            <a:br>
-              <a:rPr lang="en-US" dirty="0"/>
-            </a:br>
-            <a:r>
-              <a:rPr lang="en-US" sz="2400" dirty="0"/>
-              <a:t>(She/Her)</a:t>
-            </a:r>
-            <a:endParaRPr lang="en-US"/>
-          </a:p>
-        </p:txBody>
-      </p:sp>
-      <p:sp>
-        <p:nvSpPr>
-          <p:cNvPr id="3" name="Content Placeholder 2">
-            <a:extLst>
-              <a:ext uri="{FF2B5EF4-FFF2-40B4-BE49-F238E27FC236}">
-                <a16:creationId xmlns:a16="http://schemas.microsoft.com/office/drawing/2014/main" id="{BD9FF4B1-4677-48D0-A0AD-0221FAEEFBA3}"/>
-              </a:ext>
-            </a:extLst>
-          </p:cNvPr>
-          <p:cNvSpPr>
-            <a:spLocks noGrp="1"/>
-          </p:cNvSpPr>
-          <p:nvPr>
-            <p:ph idx="1"/>
-          </p:nvPr>
-        </p:nvSpPr>
-        <p:spPr/>
-        <p:txBody>
-          <a:bodyPr>
-            <a:normAutofit/>
-          </a:bodyPr>
-          <a:lstStyle/>
-          <a:p>
-            <a:r>
-              <a:rPr lang="en-US" dirty="0"/>
-              <a:t>Database Engineer</a:t>
-            </a:r>
-          </a:p>
-          <a:p>
-            <a:r>
-              <a:rPr lang="en-US" dirty="0"/>
-              <a:t>Open Source Contributor</a:t>
-            </a:r>
-          </a:p>
-          <a:p>
-            <a:pPr lvl="1"/>
-            <a:r>
-              <a:rPr lang="en-US" dirty="0" err="1"/>
-              <a:t>dbatools</a:t>
-            </a:r>
-            <a:r>
-              <a:rPr lang="en-US" dirty="0"/>
-              <a:t>, </a:t>
-            </a:r>
-            <a:r>
-              <a:rPr lang="en-US" dirty="0" err="1"/>
-              <a:t>dbachecks</a:t>
-            </a:r>
-            <a:r>
-              <a:rPr lang="en-US" dirty="0"/>
-              <a:t>, </a:t>
-            </a:r>
-            <a:r>
-              <a:rPr lang="en-US" dirty="0" err="1"/>
-              <a:t>SqlServerDsc</a:t>
-            </a:r>
-            <a:endParaRPr lang="en-US" dirty="0"/>
-          </a:p>
-          <a:p>
-            <a:r>
-              <a:rPr lang="en-US" dirty="0"/>
-              <a:t>Passionate about SQL Server, PowerShell &amp; Proper Football</a:t>
-            </a:r>
-          </a:p>
-          <a:p>
-            <a:endParaRPr lang="en-US" dirty="0"/>
-          </a:p>
-          <a:p>
-            <a:r>
-              <a:rPr lang="en-US" dirty="0">
-                <a:hlinkClick r:id="rId2"/>
-              </a:rPr>
-              <a:t>jpomfret7@gmail.com</a:t>
-            </a:r>
-            <a:endParaRPr lang="en-US" dirty="0"/>
-          </a:p>
-          <a:p>
-            <a:r>
-              <a:rPr lang="en-US" dirty="0"/>
-              <a:t>@jpomfret</a:t>
-            </a:r>
-          </a:p>
-        </p:txBody>
-      </p:sp>
-      <p:pic>
-        <p:nvPicPr>
-          <p:cNvPr id="5" name="Picture 4">
-            <a:extLst>
-              <a:ext uri="{FF2B5EF4-FFF2-40B4-BE49-F238E27FC236}">
-                <a16:creationId xmlns:a16="http://schemas.microsoft.com/office/drawing/2014/main" id="{534BBB60-327E-41E5-A188-F9573B75AD86}"/>
-              </a:ext>
-            </a:extLst>
-          </p:cNvPr>
-          <p:cNvPicPr>
-            <a:picLocks noChangeAspect="1"/>
-          </p:cNvPicPr>
-          <p:nvPr/>
-        </p:nvPicPr>
-        <p:blipFill>
-          <a:blip r:embed="rId3">
-            <a:extLst>
-              <a:ext uri="{28A0092B-C50C-407E-A947-70E740481C1C}">
-                <a14:useLocalDpi xmlns:a14="http://schemas.microsoft.com/office/drawing/2010/main" val="0"/>
-              </a:ext>
-            </a:extLst>
-          </a:blip>
-          <a:stretch>
-            <a:fillRect/>
-          </a:stretch>
-        </p:blipFill>
-        <p:spPr>
-          <a:xfrm>
-            <a:off x="502628" y="2175930"/>
-            <a:ext cx="4084819" cy="4084819"/>
-          </a:xfrm>
-          <a:prstGeom prst="rect">
-            <a:avLst/>
-          </a:prstGeom>
-        </p:spPr>
-      </p:pic>
-      <p:pic>
-        <p:nvPicPr>
-          <p:cNvPr id="6" name="Picture 5" descr="A close up of a sign&#10;&#10;Description automatically generated">
-            <a:extLst>
-              <a:ext uri="{FF2B5EF4-FFF2-40B4-BE49-F238E27FC236}">
-                <a16:creationId xmlns:a16="http://schemas.microsoft.com/office/drawing/2014/main" id="{29D4F0F1-B995-48E9-A0DB-52AD53B274C4}"/>
-              </a:ext>
-            </a:extLst>
-          </p:cNvPr>
-          <p:cNvPicPr>
-            <a:picLocks noChangeAspect="1"/>
-          </p:cNvPicPr>
-          <p:nvPr/>
-        </p:nvPicPr>
-        <p:blipFill>
-          <a:blip r:embed="rId4">
-            <a:extLst>
-              <a:ext uri="{28A0092B-C50C-407E-A947-70E740481C1C}">
-                <a14:useLocalDpi xmlns:a14="http://schemas.microsoft.com/office/drawing/2010/main" val="0"/>
-              </a:ext>
-            </a:extLst>
-          </a:blip>
-          <a:stretch>
-            <a:fillRect/>
-          </a:stretch>
-        </p:blipFill>
-        <p:spPr>
-          <a:xfrm>
-            <a:off x="10959546" y="4520250"/>
-            <a:ext cx="914402" cy="1447803"/>
-          </a:xfrm>
-          <a:prstGeom prst="rect">
-            <a:avLst/>
-          </a:prstGeom>
-        </p:spPr>
-      </p:pic>
-    </p:spTree>
-    <p:extLst>
-      <p:ext uri="{BB962C8B-B14F-4D97-AF65-F5344CB8AC3E}">
-        <p14:creationId xmlns:p14="http://schemas.microsoft.com/office/powerpoint/2010/main" val="3256882072"/>
       </p:ext>
     </p:extLst>
   </p:cSld>
@@ -7505,7 +7563,7 @@
               <a:buNone/>
             </a:pPr>
             <a:r>
-              <a:rPr lang="en-US"/>
+              <a:rPr lang="en-US" dirty="0"/>
               <a:t>Demo Files available here:</a:t>
             </a:r>
           </a:p>
@@ -7514,12 +7572,12 @@
               <a:buNone/>
             </a:pPr>
             <a:r>
-              <a:rPr lang="en-US" sz="2800">
+              <a:rPr lang="en-US" sz="2600" dirty="0">
                 <a:hlinkClick r:id="rId3"/>
               </a:rPr>
-              <a:t>https://github.com/jpomfret/demos/tree/master/LifeHacks_dbatools</a:t>
-            </a:r>
-            <a:endParaRPr lang="en-US" sz="2800"/>
+              <a:t>https://github.com/jpomfret/demos/tree/master/LifeHacks_dbatools_MVP</a:t>
+            </a:r>
+            <a:endParaRPr lang="en-US" sz="2600" dirty="0"/>
           </a:p>
         </p:txBody>
       </p:sp>
